--- a/Futsal_and_Heartrate.pptx
+++ b/Futsal_and_Heartrate.pptx
@@ -270,7 +270,7 @@
               <a:rPr lang="en-US" smtClean="0"/>
               <a:t>10/30/23</a:t>
             </a:fld>
-            <a:endParaRPr lang="en-US"/>
+            <a:endParaRPr lang="en-US" dirty="0"/>
           </a:p>
         </p:txBody>
       </p:sp>
@@ -295,7 +295,7 @@
           <a:bodyPr/>
           <a:lstStyle/>
           <a:p>
-            <a:endParaRPr lang="en-US"/>
+            <a:endParaRPr lang="en-US" dirty="0"/>
           </a:p>
         </p:txBody>
       </p:sp>
@@ -324,7 +324,7 @@
               <a:rPr lang="en-US" smtClean="0"/>
               <a:t>‹Nº›</a:t>
             </a:fld>
-            <a:endParaRPr lang="en-US"/>
+            <a:endParaRPr lang="en-US" dirty="0"/>
           </a:p>
         </p:txBody>
       </p:sp>
@@ -470,7 +470,7 @@
               <a:rPr lang="en-US" smtClean="0"/>
               <a:t>10/30/23</a:t>
             </a:fld>
-            <a:endParaRPr lang="en-US"/>
+            <a:endParaRPr lang="en-US" dirty="0"/>
           </a:p>
         </p:txBody>
       </p:sp>
@@ -495,7 +495,7 @@
           <a:bodyPr/>
           <a:lstStyle/>
           <a:p>
-            <a:endParaRPr lang="en-US"/>
+            <a:endParaRPr lang="en-US" dirty="0"/>
           </a:p>
         </p:txBody>
       </p:sp>
@@ -524,7 +524,7 @@
               <a:rPr lang="en-US" smtClean="0"/>
               <a:t>‹Nº›</a:t>
             </a:fld>
-            <a:endParaRPr lang="en-US"/>
+            <a:endParaRPr lang="en-US" dirty="0"/>
           </a:p>
         </p:txBody>
       </p:sp>
@@ -680,7 +680,7 @@
               <a:rPr lang="en-US" smtClean="0"/>
               <a:t>10/30/23</a:t>
             </a:fld>
-            <a:endParaRPr lang="en-US"/>
+            <a:endParaRPr lang="en-US" dirty="0"/>
           </a:p>
         </p:txBody>
       </p:sp>
@@ -705,7 +705,7 @@
           <a:bodyPr/>
           <a:lstStyle/>
           <a:p>
-            <a:endParaRPr lang="en-US"/>
+            <a:endParaRPr lang="en-US" dirty="0"/>
           </a:p>
         </p:txBody>
       </p:sp>
@@ -734,7 +734,7 @@
               <a:rPr lang="en-US" smtClean="0"/>
               <a:t>‹Nº›</a:t>
             </a:fld>
-            <a:endParaRPr lang="en-US"/>
+            <a:endParaRPr lang="en-US" dirty="0"/>
           </a:p>
         </p:txBody>
       </p:sp>
@@ -880,7 +880,7 @@
               <a:rPr lang="en-US" smtClean="0"/>
               <a:t>10/30/23</a:t>
             </a:fld>
-            <a:endParaRPr lang="en-US"/>
+            <a:endParaRPr lang="en-US" dirty="0"/>
           </a:p>
         </p:txBody>
       </p:sp>
@@ -905,7 +905,7 @@
           <a:bodyPr/>
           <a:lstStyle/>
           <a:p>
-            <a:endParaRPr lang="en-US"/>
+            <a:endParaRPr lang="en-US" dirty="0"/>
           </a:p>
         </p:txBody>
       </p:sp>
@@ -934,7 +934,7 @@
               <a:rPr lang="en-US" smtClean="0"/>
               <a:t>‹Nº›</a:t>
             </a:fld>
-            <a:endParaRPr lang="en-US"/>
+            <a:endParaRPr lang="en-US" dirty="0"/>
           </a:p>
         </p:txBody>
       </p:sp>
@@ -1156,7 +1156,7 @@
               <a:rPr lang="en-US" smtClean="0"/>
               <a:t>10/30/23</a:t>
             </a:fld>
-            <a:endParaRPr lang="en-US"/>
+            <a:endParaRPr lang="en-US" dirty="0"/>
           </a:p>
         </p:txBody>
       </p:sp>
@@ -1181,7 +1181,7 @@
           <a:bodyPr/>
           <a:lstStyle/>
           <a:p>
-            <a:endParaRPr lang="en-US"/>
+            <a:endParaRPr lang="en-US" dirty="0"/>
           </a:p>
         </p:txBody>
       </p:sp>
@@ -1210,7 +1210,7 @@
               <a:rPr lang="en-US" smtClean="0"/>
               <a:t>‹Nº›</a:t>
             </a:fld>
-            <a:endParaRPr lang="en-US"/>
+            <a:endParaRPr lang="en-US" dirty="0"/>
           </a:p>
         </p:txBody>
       </p:sp>
@@ -1424,7 +1424,7 @@
               <a:rPr lang="en-US" smtClean="0"/>
               <a:t>10/30/23</a:t>
             </a:fld>
-            <a:endParaRPr lang="en-US"/>
+            <a:endParaRPr lang="en-US" dirty="0"/>
           </a:p>
         </p:txBody>
       </p:sp>
@@ -1449,7 +1449,7 @@
           <a:bodyPr/>
           <a:lstStyle/>
           <a:p>
-            <a:endParaRPr lang="en-US"/>
+            <a:endParaRPr lang="en-US" dirty="0"/>
           </a:p>
         </p:txBody>
       </p:sp>
@@ -1478,7 +1478,7 @@
               <a:rPr lang="en-US" smtClean="0"/>
               <a:t>‹Nº›</a:t>
             </a:fld>
-            <a:endParaRPr lang="en-US"/>
+            <a:endParaRPr lang="en-US" dirty="0"/>
           </a:p>
         </p:txBody>
       </p:sp>
@@ -1839,7 +1839,7 @@
               <a:rPr lang="en-US" smtClean="0"/>
               <a:t>10/30/23</a:t>
             </a:fld>
-            <a:endParaRPr lang="en-US"/>
+            <a:endParaRPr lang="en-US" dirty="0"/>
           </a:p>
         </p:txBody>
       </p:sp>
@@ -1864,7 +1864,7 @@
           <a:bodyPr/>
           <a:lstStyle/>
           <a:p>
-            <a:endParaRPr lang="en-US"/>
+            <a:endParaRPr lang="en-US" dirty="0"/>
           </a:p>
         </p:txBody>
       </p:sp>
@@ -1893,7 +1893,7 @@
               <a:rPr lang="en-US" smtClean="0"/>
               <a:t>‹Nº›</a:t>
             </a:fld>
-            <a:endParaRPr lang="en-US"/>
+            <a:endParaRPr lang="en-US" dirty="0"/>
           </a:p>
         </p:txBody>
       </p:sp>
@@ -1981,7 +1981,7 @@
               <a:rPr lang="en-US" smtClean="0"/>
               <a:t>10/30/23</a:t>
             </a:fld>
-            <a:endParaRPr lang="en-US"/>
+            <a:endParaRPr lang="en-US" dirty="0"/>
           </a:p>
         </p:txBody>
       </p:sp>
@@ -2006,7 +2006,7 @@
           <a:bodyPr/>
           <a:lstStyle/>
           <a:p>
-            <a:endParaRPr lang="en-US"/>
+            <a:endParaRPr lang="en-US" dirty="0"/>
           </a:p>
         </p:txBody>
       </p:sp>
@@ -2035,7 +2035,7 @@
               <a:rPr lang="en-US" smtClean="0"/>
               <a:t>‹Nº›</a:t>
             </a:fld>
-            <a:endParaRPr lang="en-US"/>
+            <a:endParaRPr lang="en-US" dirty="0"/>
           </a:p>
         </p:txBody>
       </p:sp>
@@ -2094,7 +2094,7 @@
               <a:rPr lang="en-US" smtClean="0"/>
               <a:t>10/30/23</a:t>
             </a:fld>
-            <a:endParaRPr lang="en-US"/>
+            <a:endParaRPr lang="en-US" dirty="0"/>
           </a:p>
         </p:txBody>
       </p:sp>
@@ -2119,7 +2119,7 @@
           <a:bodyPr/>
           <a:lstStyle/>
           <a:p>
-            <a:endParaRPr lang="en-US"/>
+            <a:endParaRPr lang="en-US" dirty="0"/>
           </a:p>
         </p:txBody>
       </p:sp>
@@ -2148,7 +2148,7 @@
               <a:rPr lang="en-US" smtClean="0"/>
               <a:t>‹Nº›</a:t>
             </a:fld>
-            <a:endParaRPr lang="en-US"/>
+            <a:endParaRPr lang="en-US" dirty="0"/>
           </a:p>
         </p:txBody>
       </p:sp>
@@ -2407,7 +2407,7 @@
               <a:rPr lang="en-US" smtClean="0"/>
               <a:t>10/30/23</a:t>
             </a:fld>
-            <a:endParaRPr lang="en-US"/>
+            <a:endParaRPr lang="en-US" dirty="0"/>
           </a:p>
         </p:txBody>
       </p:sp>
@@ -2432,7 +2432,7 @@
           <a:bodyPr/>
           <a:lstStyle/>
           <a:p>
-            <a:endParaRPr lang="en-US"/>
+            <a:endParaRPr lang="en-US" dirty="0"/>
           </a:p>
         </p:txBody>
       </p:sp>
@@ -2461,7 +2461,7 @@
               <a:rPr lang="en-US" smtClean="0"/>
               <a:t>‹Nº›</a:t>
             </a:fld>
-            <a:endParaRPr lang="en-US"/>
+            <a:endParaRPr lang="en-US" dirty="0"/>
           </a:p>
         </p:txBody>
       </p:sp>
@@ -2596,7 +2596,7 @@
             </a:lvl9pPr>
           </a:lstStyle>
           <a:p>
-            <a:endParaRPr lang="en-US"/>
+            <a:endParaRPr lang="en-US" dirty="0"/>
           </a:p>
         </p:txBody>
       </p:sp>
@@ -2696,7 +2696,7 @@
               <a:rPr lang="en-US" smtClean="0"/>
               <a:t>10/30/23</a:t>
             </a:fld>
-            <a:endParaRPr lang="en-US"/>
+            <a:endParaRPr lang="en-US" dirty="0"/>
           </a:p>
         </p:txBody>
       </p:sp>
@@ -2721,7 +2721,7 @@
           <a:bodyPr/>
           <a:lstStyle/>
           <a:p>
-            <a:endParaRPr lang="en-US"/>
+            <a:endParaRPr lang="en-US" dirty="0"/>
           </a:p>
         </p:txBody>
       </p:sp>
@@ -2750,7 +2750,7 @@
               <a:rPr lang="en-US" smtClean="0"/>
               <a:t>‹Nº›</a:t>
             </a:fld>
-            <a:endParaRPr lang="en-US"/>
+            <a:endParaRPr lang="en-US" dirty="0"/>
           </a:p>
         </p:txBody>
       </p:sp>
@@ -2939,7 +2939,7 @@
               <a:rPr lang="en-US" smtClean="0"/>
               <a:t>10/30/23</a:t>
             </a:fld>
-            <a:endParaRPr lang="en-US"/>
+            <a:endParaRPr lang="en-US" dirty="0"/>
           </a:p>
         </p:txBody>
       </p:sp>
@@ -2982,7 +2982,7 @@
             </a:lvl1pPr>
           </a:lstStyle>
           <a:p>
-            <a:endParaRPr lang="en-US"/>
+            <a:endParaRPr lang="en-US" dirty="0"/>
           </a:p>
         </p:txBody>
       </p:sp>
@@ -3029,7 +3029,7 @@
               <a:rPr lang="en-US" smtClean="0"/>
               <a:t>‹Nº›</a:t>
             </a:fld>
-            <a:endParaRPr lang="en-US"/>
+            <a:endParaRPr lang="en-US" dirty="0"/>
           </a:p>
         </p:txBody>
       </p:sp>
@@ -3418,7 +3418,7 @@
           <a:lstStyle/>
           <a:p>
             <a:pPr algn="ctr"/>
-            <a:endParaRPr lang="en-US"/>
+            <a:endParaRPr lang="en-US" dirty="0"/>
           </a:p>
         </p:txBody>
       </p:sp>
@@ -3566,7 +3566,7 @@
                   <a:schemeClr val="bg1"/>
                 </a:solidFill>
               </a:rPr>
-              <a:t>FUTSAL AND HEART RATE</a:t>
+              <a:t>HEART RATE AND FUTSAL</a:t>
             </a:r>
           </a:p>
         </p:txBody>
@@ -3630,7 +3630,7 @@
           <a:lstStyle/>
           <a:p>
             <a:pPr algn="ctr"/>
-            <a:endParaRPr lang="en-US">
+            <a:endParaRPr lang="en-US" dirty="0">
               <a:solidFill>
                 <a:prstClr val="white"/>
               </a:solidFill>
@@ -3715,7 +3715,7 @@
               <a:tabLst/>
               <a:defRPr/>
             </a:pPr>
-            <a:endParaRPr kumimoji="0" lang="en-US" sz="1800" b="0" i="0" u="none" strike="noStrike" kern="1200" cap="none" spc="0" normalizeH="0" baseline="0" noProof="0">
+            <a:endParaRPr kumimoji="0" lang="en-US" sz="1800" b="0" i="0" u="none" strike="noStrike" kern="1200" cap="none" spc="0" normalizeH="0" baseline="0" noProof="0" dirty="0">
               <a:ln>
                 <a:noFill/>
               </a:ln>
@@ -3835,7 +3835,7 @@
         <p:spPr>
           <a:xfrm>
             <a:off x="5679188" y="1874221"/>
-            <a:ext cx="6219908" cy="1200329"/>
+            <a:ext cx="6219908" cy="3788858"/>
           </a:xfrm>
           <a:prstGeom prst="rect">
             <a:avLst/>
@@ -3848,24 +3848,99 @@
           </a:bodyPr>
           <a:lstStyle/>
           <a:p>
+            <a:pPr>
+              <a:lnSpc>
+                <a:spcPct val="150000"/>
+              </a:lnSpc>
+            </a:pPr>
             <a:r>
               <a:rPr lang="en-US" dirty="0"/>
-              <a:t>- DB from Garmin Connect. Export all the data</a:t>
-            </a:r>
-          </a:p>
-          <a:p>
+              <a:t>- Data Extraction</a:t>
+            </a:r>
+          </a:p>
+          <a:p>
+            <a:pPr>
+              <a:lnSpc>
+                <a:spcPct val="150000"/>
+              </a:lnSpc>
+            </a:pPr>
             <a:r>
               <a:rPr lang="en-US" dirty="0"/>
-              <a:t>- Clean the data</a:t>
-            </a:r>
-          </a:p>
-          <a:p>
+              <a:t>- Data cleaning</a:t>
+            </a:r>
+          </a:p>
+          <a:p>
+            <a:pPr>
+              <a:lnSpc>
+                <a:spcPct val="150000"/>
+              </a:lnSpc>
+            </a:pPr>
             <a:r>
               <a:rPr lang="en-US" dirty="0"/>
-              <a:t>- Organize the information </a:t>
-            </a:r>
-          </a:p>
-          <a:p>
+              <a:t>- Organize the information in 4 columns:</a:t>
+            </a:r>
+          </a:p>
+          <a:p>
+            <a:pPr>
+              <a:lnSpc>
+                <a:spcPct val="150000"/>
+              </a:lnSpc>
+            </a:pPr>
+            <a:r>
+              <a:rPr lang="en-US" dirty="0"/>
+              <a:t>	- YEAR</a:t>
+            </a:r>
+          </a:p>
+          <a:p>
+            <a:pPr>
+              <a:lnSpc>
+                <a:spcPct val="150000"/>
+              </a:lnSpc>
+            </a:pPr>
+            <a:r>
+              <a:rPr lang="en-US" dirty="0"/>
+              <a:t>	- MONTH</a:t>
+            </a:r>
+          </a:p>
+          <a:p>
+            <a:pPr>
+              <a:lnSpc>
+                <a:spcPct val="150000"/>
+              </a:lnSpc>
+            </a:pPr>
+            <a:r>
+              <a:rPr lang="en-US" dirty="0"/>
+              <a:t>	- NORMAL HEART RATE</a:t>
+            </a:r>
+          </a:p>
+          <a:p>
+            <a:pPr>
+              <a:lnSpc>
+                <a:spcPct val="150000"/>
+              </a:lnSpc>
+            </a:pPr>
+            <a:r>
+              <a:rPr lang="en-US" dirty="0"/>
+              <a:t>	- DATE</a:t>
+            </a:r>
+          </a:p>
+          <a:p>
+            <a:pPr>
+              <a:lnSpc>
+                <a:spcPct val="150000"/>
+              </a:lnSpc>
+            </a:pPr>
+            <a:r>
+              <a:rPr lang="en-US" dirty="0"/>
+              <a:t>	- WEEKDAY</a:t>
+            </a:r>
+          </a:p>
+          <a:p>
+            <a:pPr>
+              <a:lnSpc>
+                <a:spcPct val="150000"/>
+              </a:lnSpc>
+            </a:pPr>
             <a:r>
               <a:rPr lang="en-US" dirty="0"/>
               <a:t>- Display the information so it can be related with the second DB</a:t>
@@ -3873,6 +3948,42 @@
           </a:p>
         </p:txBody>
       </p:sp>
+      <p:pic>
+        <p:nvPicPr>
+          <p:cNvPr id="4" name="Gráfico 3" descr="Reloj con relleno sólido">
+            <a:extLst>
+              <a:ext uri="{FF2B5EF4-FFF2-40B4-BE49-F238E27FC236}">
+                <a16:creationId xmlns:a16="http://schemas.microsoft.com/office/drawing/2014/main" id="{A7560FB4-96BC-1090-0461-ADA9AC618843}"/>
+              </a:ext>
+            </a:extLst>
+          </p:cNvPr>
+          <p:cNvPicPr>
+            <a:picLocks noChangeAspect="1"/>
+          </p:cNvPicPr>
+          <p:nvPr/>
+        </p:nvPicPr>
+        <p:blipFill>
+          <a:blip r:embed="rId3">
+            <a:extLst>
+              <a:ext uri="{96DAC541-7B7A-43D3-8B79-37D633B846F1}">
+                <asvg:svgBlip xmlns:asvg="http://schemas.microsoft.com/office/drawing/2016/SVG/main" r:embed="rId4"/>
+              </a:ext>
+            </a:extLst>
+          </a:blip>
+          <a:stretch>
+            <a:fillRect/>
+          </a:stretch>
+        </p:blipFill>
+        <p:spPr>
+          <a:xfrm>
+            <a:off x="10463212" y="570706"/>
+            <a:ext cx="914400" cy="914400"/>
+          </a:xfrm>
+          <a:prstGeom prst="rect">
+            <a:avLst/>
+          </a:prstGeom>
+        </p:spPr>
+      </p:pic>
     </p:spTree>
     <p:extLst>
       <p:ext uri="{BB962C8B-B14F-4D97-AF65-F5344CB8AC3E}">
@@ -3931,7 +4042,7 @@
           <a:p>
             <a:r>
               <a:rPr lang="en-US" dirty="0"/>
-              <a:t>Match Database</a:t>
+              <a:t>Futsal Database</a:t>
             </a:r>
           </a:p>
         </p:txBody>
@@ -3981,7 +4092,7 @@
         <p:spPr>
           <a:xfrm>
             <a:off x="6488937" y="1917360"/>
-            <a:ext cx="5376945" cy="1754326"/>
+            <a:ext cx="5376945" cy="3373359"/>
           </a:xfrm>
           <a:prstGeom prst="rect">
             <a:avLst/>
@@ -3994,63 +4105,131 @@
           </a:bodyPr>
           <a:lstStyle/>
           <a:p>
+            <a:pPr>
+              <a:lnSpc>
+                <a:spcPct val="150000"/>
+              </a:lnSpc>
+            </a:pPr>
             <a:r>
               <a:rPr lang="en-US" dirty="0"/>
-              <a:t>- Web Scrapping from </a:t>
-            </a:r>
-            <a:r>
-              <a:rPr lang="en-US" dirty="0" err="1"/>
-              <a:t>fcf.cat</a:t>
-            </a:r>
-            <a:endParaRPr lang="en-US" dirty="0"/>
-          </a:p>
-          <a:p>
+              <a:t>- Web Scrapping from fcf.cat</a:t>
+            </a:r>
+          </a:p>
+          <a:p>
+            <a:pPr>
+              <a:lnSpc>
+                <a:spcPct val="150000"/>
+              </a:lnSpc>
+            </a:pPr>
             <a:r>
               <a:rPr lang="en-US" dirty="0"/>
-              <a:t>- Get the desired information from the website.</a:t>
-            </a:r>
-          </a:p>
-          <a:p>
+              <a:t>- Get the desired information.</a:t>
+            </a:r>
+          </a:p>
+          <a:p>
+            <a:pPr>
+              <a:lnSpc>
+                <a:spcPct val="150000"/>
+              </a:lnSpc>
+            </a:pPr>
             <a:r>
               <a:rPr lang="en-US" dirty="0"/>
-              <a:t>- Make it match, transform it into a </a:t>
-            </a:r>
-            <a:r>
-              <a:rPr lang="en-US" dirty="0" err="1"/>
-              <a:t>DataFrame</a:t>
-            </a:r>
+              <a:t>- Transform it into DF with 4 columns:</a:t>
+            </a:r>
+          </a:p>
+          <a:p>
+            <a:pPr>
+              <a:lnSpc>
+                <a:spcPct val="150000"/>
+              </a:lnSpc>
+            </a:pPr>
             <a:r>
               <a:rPr lang="en-US" dirty="0"/>
-              <a:t>.</a:t>
-            </a:r>
-          </a:p>
-          <a:p>
+              <a:t>	- ROUND</a:t>
+            </a:r>
+          </a:p>
+          <a:p>
+            <a:pPr>
+              <a:lnSpc>
+                <a:spcPct val="150000"/>
+              </a:lnSpc>
+            </a:pPr>
             <a:r>
               <a:rPr lang="en-US" dirty="0"/>
-              <a:t>- Clean the </a:t>
-            </a:r>
-            <a:r>
-              <a:rPr lang="en-US" dirty="0" err="1"/>
-              <a:t>DataFrame</a:t>
-            </a:r>
+              <a:t>	- RESULTS</a:t>
+            </a:r>
+          </a:p>
+          <a:p>
+            <a:pPr>
+              <a:lnSpc>
+                <a:spcPct val="150000"/>
+              </a:lnSpc>
+            </a:pPr>
             <a:r>
               <a:rPr lang="en-US" dirty="0"/>
-              <a:t>, rename columns and make it match to the Garmin </a:t>
-            </a:r>
-            <a:r>
-              <a:rPr lang="en-US" dirty="0" err="1"/>
-              <a:t>DataFrame</a:t>
-            </a:r>
+              <a:t>	- DATE</a:t>
+            </a:r>
+          </a:p>
+          <a:p>
+            <a:pPr>
+              <a:lnSpc>
+                <a:spcPct val="150000"/>
+              </a:lnSpc>
+            </a:pPr>
             <a:r>
               <a:rPr lang="en-US" dirty="0"/>
-              <a:t>.</a:t>
-            </a:r>
-          </a:p>
-          <a:p>
-            <a:endParaRPr lang="en-US" dirty="0"/>
-          </a:p>
-        </p:txBody>
-      </p:sp>
+              <a:t>	- W/D/L</a:t>
+            </a:r>
+          </a:p>
+          <a:p>
+            <a:pPr>
+              <a:lnSpc>
+                <a:spcPct val="150000"/>
+              </a:lnSpc>
+            </a:pPr>
+            <a:r>
+              <a:rPr lang="en-US" dirty="0"/>
+              <a:t>- Merge it with Garmin DF</a:t>
+            </a:r>
+          </a:p>
+        </p:txBody>
+      </p:sp>
+      <p:pic>
+        <p:nvPicPr>
+          <p:cNvPr id="3" name="Gráfico 2" descr="Fútbol con relleno sólido">
+            <a:extLst>
+              <a:ext uri="{FF2B5EF4-FFF2-40B4-BE49-F238E27FC236}">
+                <a16:creationId xmlns:a16="http://schemas.microsoft.com/office/drawing/2014/main" id="{5A7830DD-1A93-09F7-00C3-4B3BC6DB8700}"/>
+              </a:ext>
+            </a:extLst>
+          </p:cNvPr>
+          <p:cNvPicPr>
+            <a:picLocks noChangeAspect="1"/>
+          </p:cNvPicPr>
+          <p:nvPr/>
+        </p:nvPicPr>
+        <p:blipFill>
+          <a:blip r:embed="rId3">
+            <a:extLst>
+              <a:ext uri="{96DAC541-7B7A-43D3-8B79-37D633B846F1}">
+                <asvg:svgBlip xmlns:asvg="http://schemas.microsoft.com/office/drawing/2016/SVG/main" r:embed="rId4"/>
+              </a:ext>
+            </a:extLst>
+          </a:blip>
+          <a:stretch>
+            <a:fillRect/>
+          </a:stretch>
+        </p:blipFill>
+        <p:spPr>
+          <a:xfrm>
+            <a:off x="10439400" y="570706"/>
+            <a:ext cx="914400" cy="914400"/>
+          </a:xfrm>
+          <a:prstGeom prst="rect">
+            <a:avLst/>
+          </a:prstGeom>
+        </p:spPr>
+      </p:pic>
     </p:spTree>
     <p:extLst>
       <p:ext uri="{BB962C8B-B14F-4D97-AF65-F5344CB8AC3E}">
@@ -4145,7 +4324,7 @@
           <a:lstStyle/>
           <a:p>
             <a:pPr algn="ctr"/>
-            <a:endParaRPr lang="en-US"/>
+            <a:endParaRPr lang="en-US" dirty="0"/>
           </a:p>
         </p:txBody>
       </p:sp>
@@ -4201,8 +4380,8 @@
         </p:blipFill>
         <p:spPr>
           <a:xfrm>
-            <a:off x="6182505" y="3195643"/>
-            <a:ext cx="5828261" cy="2870419"/>
+            <a:off x="6180380" y="2945001"/>
+            <a:ext cx="5828261" cy="3547874"/>
           </a:xfrm>
           <a:prstGeom prst="rect">
             <a:avLst/>
@@ -4459,10 +4638,6 @@
             </a:lvl1pPr>
           </a:lstStyle>
           <a:p>
-            <a:r>
-              <a:rPr lang="en-US" sz="4400" dirty="0"/>
-              <a:t>Average heart Rate per day </a:t>
-            </a:r>
             <a:endParaRPr lang="en-US" dirty="0"/>
           </a:p>
         </p:txBody>
@@ -4481,8 +4656,8 @@
         </p:nvSpPr>
         <p:spPr>
           <a:xfrm>
-            <a:off x="7142080" y="1966914"/>
-            <a:ext cx="4812413" cy="1477328"/>
+            <a:off x="7142080" y="1915494"/>
+            <a:ext cx="4812413" cy="1892826"/>
           </a:xfrm>
           <a:prstGeom prst="rect">
             <a:avLst/>
@@ -4495,12 +4670,22 @@
           </a:bodyPr>
           <a:lstStyle/>
           <a:p>
+            <a:pPr>
+              <a:lnSpc>
+                <a:spcPct val="150000"/>
+              </a:lnSpc>
+            </a:pPr>
             <a:r>
               <a:rPr lang="en-US" dirty="0"/>
               <a:t>- Weekends higher heart rate</a:t>
             </a:r>
           </a:p>
           <a:p>
+            <a:pPr>
+              <a:lnSpc>
+                <a:spcPct val="150000"/>
+              </a:lnSpc>
+            </a:pPr>
             <a:r>
               <a:rPr lang="en-US" dirty="0"/>
               <a:t>- Monday lowest HR </a:t>
@@ -4509,13 +4694,68 @@
               <a:rPr lang="en-US" dirty="0">
                 <a:sym typeface="Wingdings" pitchFamily="2" charset="2"/>
               </a:rPr>
-              <a:t> Due to the fatigue of the weekend and match</a:t>
+              <a:t> Due to the fatigue of the match</a:t>
             </a:r>
           </a:p>
           <a:p>
             <a:endParaRPr lang="en-US" dirty="0"/>
           </a:p>
           <a:p>
+            <a:endParaRPr lang="en-US" dirty="0"/>
+          </a:p>
+        </p:txBody>
+      </p:sp>
+      <p:sp>
+        <p:nvSpPr>
+          <p:cNvPr id="5" name="Título 1">
+            <a:extLst>
+              <a:ext uri="{FF2B5EF4-FFF2-40B4-BE49-F238E27FC236}">
+                <a16:creationId xmlns:a16="http://schemas.microsoft.com/office/drawing/2014/main" id="{06DA077D-76DB-264C-C04D-7D18379BD63B}"/>
+              </a:ext>
+            </a:extLst>
+          </p:cNvPr>
+          <p:cNvSpPr txBox="1">
+            <a:spLocks/>
+          </p:cNvSpPr>
+          <p:nvPr/>
+        </p:nvSpPr>
+        <p:spPr>
+          <a:xfrm>
+            <a:off x="522514" y="365125"/>
+            <a:ext cx="10515600" cy="1325563"/>
+          </a:xfrm>
+          <a:prstGeom prst="rect">
+            <a:avLst/>
+          </a:prstGeom>
+        </p:spPr>
+        <p:txBody>
+          <a:bodyPr vert="horz" lIns="91440" tIns="45720" rIns="91440" bIns="45720" rtlCol="0" anchor="ctr">
+            <a:normAutofit/>
+          </a:bodyPr>
+          <a:lstStyle>
+            <a:lvl1pPr algn="l" defTabSz="914400" rtl="0" eaLnBrk="1" latinLnBrk="0" hangingPunct="1">
+              <a:lnSpc>
+                <a:spcPct val="90000"/>
+              </a:lnSpc>
+              <a:spcBef>
+                <a:spcPct val="0"/>
+              </a:spcBef>
+              <a:buNone/>
+              <a:defRPr sz="4400" kern="1200">
+                <a:solidFill>
+                  <a:schemeClr val="tx1"/>
+                </a:solidFill>
+                <a:latin typeface="+mj-lt"/>
+                <a:ea typeface="+mj-ea"/>
+                <a:cs typeface="+mj-cs"/>
+              </a:defRPr>
+            </a:lvl1pPr>
+          </a:lstStyle>
+          <a:p>
+            <a:r>
+              <a:rPr lang="en-US" sz="4400" dirty="0"/>
+              <a:t>Average heart Rate per day </a:t>
+            </a:r>
             <a:endParaRPr lang="en-US" dirty="0"/>
           </a:p>
         </p:txBody>
@@ -4795,8 +5035,8 @@
         </p:nvSpPr>
         <p:spPr>
           <a:xfrm>
-            <a:off x="7932717" y="1690688"/>
-            <a:ext cx="4021776" cy="1477328"/>
+            <a:off x="7825839" y="3127693"/>
+            <a:ext cx="4021776" cy="923330"/>
           </a:xfrm>
           <a:prstGeom prst="rect">
             <a:avLst/>
@@ -4812,12 +5052,6 @@
             <a:r>
               <a:rPr lang="en-US" dirty="0"/>
               <a:t>- Average match day HR is 2 beats higher than normal day HR.</a:t>
-            </a:r>
-          </a:p>
-          <a:p>
-            <a:r>
-              <a:rPr lang="en-US" dirty="0"/>
-              <a:t>- Nervous despite being relaxed all the day?</a:t>
             </a:r>
           </a:p>
           <a:p>
@@ -4902,37 +5136,74 @@
         <p:spPr/>
         <p:txBody>
           <a:bodyPr>
-            <a:normAutofit/>
+            <a:normAutofit fontScale="92500" lnSpcReduction="10000"/>
           </a:bodyPr>
           <a:lstStyle/>
           <a:p>
-            <a:r>
-              <a:rPr lang="en-US" dirty="0"/>
-              <a:t>Heart rate on match days is more concentrated around the mean.</a:t>
-            </a:r>
-          </a:p>
-          <a:p>
-            <a:r>
-              <a:rPr lang="en-US" dirty="0"/>
-              <a:t>There is not a noticeable pattern in average heart rate on match days</a:t>
-            </a:r>
-          </a:p>
-          <a:p>
-            <a:r>
-              <a:rPr lang="en-US" dirty="0"/>
-              <a:t>Mondays are the lowest average Heart Rate. This could be related with the match fatigue</a:t>
-            </a:r>
-          </a:p>
-          <a:p>
-            <a:r>
-              <a:rPr lang="en-US" dirty="0"/>
-              <a:t>On match days the average heart rate is 2 beats higher than the average heart rate for the normal days. Despite being days where I stay calm I can be more nervous, thus increasing the average heart rate</a:t>
-            </a:r>
-          </a:p>
-          <a:p>
-            <a:r>
-              <a:rPr lang="en-US" dirty="0"/>
-              <a:t>Need more data</a:t>
+            <a:pPr>
+              <a:lnSpc>
+                <a:spcPct val="150000"/>
+              </a:lnSpc>
+            </a:pPr>
+            <a:r>
+              <a:rPr lang="en-US" sz="2400" dirty="0"/>
+              <a:t>There is not a noticeable pattern in match day average heart rate:</a:t>
+            </a:r>
+          </a:p>
+          <a:p>
+            <a:pPr lvl="1">
+              <a:lnSpc>
+                <a:spcPct val="150000"/>
+              </a:lnSpc>
+            </a:pPr>
+            <a:r>
+              <a:rPr lang="en-US" sz="2200" dirty="0"/>
+              <a:t>Min 42 / Max 57</a:t>
+            </a:r>
+            <a:endParaRPr lang="en-US" sz="2400" dirty="0"/>
+          </a:p>
+          <a:p>
+            <a:pPr>
+              <a:lnSpc>
+                <a:spcPct val="150000"/>
+              </a:lnSpc>
+            </a:pPr>
+            <a:r>
+              <a:rPr lang="en-US" sz="2400" dirty="0"/>
+              <a:t>Mondays: Lowest average Heart Rate. Can be related with the match fatigue</a:t>
+            </a:r>
+          </a:p>
+          <a:p>
+            <a:pPr>
+              <a:lnSpc>
+                <a:spcPct val="150000"/>
+              </a:lnSpc>
+            </a:pPr>
+            <a:r>
+              <a:rPr lang="en-US" sz="2400" dirty="0"/>
+              <a:t>Match days Heart rate has a higher concentration around the mean</a:t>
+            </a:r>
+          </a:p>
+          <a:p>
+            <a:pPr>
+              <a:lnSpc>
+                <a:spcPct val="150000"/>
+              </a:lnSpc>
+            </a:pPr>
+            <a:r>
+              <a:rPr lang="en-US" sz="2400" dirty="0"/>
+              <a:t>Match Days:</a:t>
+            </a:r>
+          </a:p>
+          <a:p>
+            <a:pPr lvl="1">
+              <a:lnSpc>
+                <a:spcPct val="150000"/>
+              </a:lnSpc>
+            </a:pPr>
+            <a:r>
+              <a:rPr lang="en-US" sz="2200" dirty="0"/>
+              <a:t>On match days the average heart rate is 2 beats higher than the average heart rate for the normal days. Despite being days where I stay calm, I can be more nervous, thus increasing the average heart rate</a:t>
             </a:r>
           </a:p>
         </p:txBody>
